--- a/新版生命周期 .pptx
+++ b/新版生命周期 .pptx
@@ -3647,7 +3647,7 @@
         <p:spPr>
           <a:xfrm>
             <a:off x="2422688" y="1253766"/>
-            <a:ext cx="3308809" cy="952106"/>
+            <a:ext cx="6860343" cy="952106"/>
           </a:xfrm>
           <a:prstGeom prst="roundRect">
             <a:avLst/>
@@ -4557,7 +4557,7 @@
         <p:spPr>
           <a:xfrm>
             <a:off x="7871385" y="739164"/>
-            <a:ext cx="0" cy="1692951"/>
+            <a:ext cx="0" cy="505174"/>
           </a:xfrm>
           <a:prstGeom prst="straightConnector1">
             <a:avLst/>

--- a/新版生命周期 .pptx
+++ b/新版生命周期 .pptx
@@ -3647,7 +3647,7 @@
         <p:spPr>
           <a:xfrm>
             <a:off x="2422688" y="1253766"/>
-            <a:ext cx="6860343" cy="952106"/>
+            <a:ext cx="6860341" cy="952106"/>
           </a:xfrm>
           <a:prstGeom prst="roundRect">
             <a:avLst/>

--- a/新版生命周期 .pptx
+++ b/新版生命周期 .pptx
@@ -259,7 +259,7 @@
           <a:p>
             <a:fld id="{F8EF9790-724A-4D00-AD06-B61DE59F3407}" type="datetimeFigureOut">
               <a:rPr lang="zh-CN" altLang="en-US" smtClean="0"/>
-              <a:t>2019/7/17</a:t>
+              <a:t>2019/7/26</a:t>
             </a:fld>
             <a:endParaRPr lang="zh-CN" altLang="en-US"/>
           </a:p>
@@ -457,7 +457,7 @@
           <a:p>
             <a:fld id="{F8EF9790-724A-4D00-AD06-B61DE59F3407}" type="datetimeFigureOut">
               <a:rPr lang="zh-CN" altLang="en-US" smtClean="0"/>
-              <a:t>2019/7/17</a:t>
+              <a:t>2019/7/26</a:t>
             </a:fld>
             <a:endParaRPr lang="zh-CN" altLang="en-US"/>
           </a:p>
@@ -665,7 +665,7 @@
           <a:p>
             <a:fld id="{F8EF9790-724A-4D00-AD06-B61DE59F3407}" type="datetimeFigureOut">
               <a:rPr lang="zh-CN" altLang="en-US" smtClean="0"/>
-              <a:t>2019/7/17</a:t>
+              <a:t>2019/7/26</a:t>
             </a:fld>
             <a:endParaRPr lang="zh-CN" altLang="en-US"/>
           </a:p>
@@ -863,7 +863,7 @@
           <a:p>
             <a:fld id="{F8EF9790-724A-4D00-AD06-B61DE59F3407}" type="datetimeFigureOut">
               <a:rPr lang="zh-CN" altLang="en-US" smtClean="0"/>
-              <a:t>2019/7/17</a:t>
+              <a:t>2019/7/26</a:t>
             </a:fld>
             <a:endParaRPr lang="zh-CN" altLang="en-US"/>
           </a:p>
@@ -1138,7 +1138,7 @@
           <a:p>
             <a:fld id="{F8EF9790-724A-4D00-AD06-B61DE59F3407}" type="datetimeFigureOut">
               <a:rPr lang="zh-CN" altLang="en-US" smtClean="0"/>
-              <a:t>2019/7/17</a:t>
+              <a:t>2019/7/26</a:t>
             </a:fld>
             <a:endParaRPr lang="zh-CN" altLang="en-US"/>
           </a:p>
@@ -1403,7 +1403,7 @@
           <a:p>
             <a:fld id="{F8EF9790-724A-4D00-AD06-B61DE59F3407}" type="datetimeFigureOut">
               <a:rPr lang="zh-CN" altLang="en-US" smtClean="0"/>
-              <a:t>2019/7/17</a:t>
+              <a:t>2019/7/26</a:t>
             </a:fld>
             <a:endParaRPr lang="zh-CN" altLang="en-US"/>
           </a:p>
@@ -1815,7 +1815,7 @@
           <a:p>
             <a:fld id="{F8EF9790-724A-4D00-AD06-B61DE59F3407}" type="datetimeFigureOut">
               <a:rPr lang="zh-CN" altLang="en-US" smtClean="0"/>
-              <a:t>2019/7/17</a:t>
+              <a:t>2019/7/26</a:t>
             </a:fld>
             <a:endParaRPr lang="zh-CN" altLang="en-US"/>
           </a:p>
@@ -1956,7 +1956,7 @@
           <a:p>
             <a:fld id="{F8EF9790-724A-4D00-AD06-B61DE59F3407}" type="datetimeFigureOut">
               <a:rPr lang="zh-CN" altLang="en-US" smtClean="0"/>
-              <a:t>2019/7/17</a:t>
+              <a:t>2019/7/26</a:t>
             </a:fld>
             <a:endParaRPr lang="zh-CN" altLang="en-US"/>
           </a:p>
@@ -2069,7 +2069,7 @@
           <a:p>
             <a:fld id="{F8EF9790-724A-4D00-AD06-B61DE59F3407}" type="datetimeFigureOut">
               <a:rPr lang="zh-CN" altLang="en-US" smtClean="0"/>
-              <a:t>2019/7/17</a:t>
+              <a:t>2019/7/26</a:t>
             </a:fld>
             <a:endParaRPr lang="zh-CN" altLang="en-US"/>
           </a:p>
@@ -2380,7 +2380,7 @@
           <a:p>
             <a:fld id="{F8EF9790-724A-4D00-AD06-B61DE59F3407}" type="datetimeFigureOut">
               <a:rPr lang="zh-CN" altLang="en-US" smtClean="0"/>
-              <a:t>2019/7/17</a:t>
+              <a:t>2019/7/26</a:t>
             </a:fld>
             <a:endParaRPr lang="zh-CN" altLang="en-US"/>
           </a:p>
@@ -2668,7 +2668,7 @@
           <a:p>
             <a:fld id="{F8EF9790-724A-4D00-AD06-B61DE59F3407}" type="datetimeFigureOut">
               <a:rPr lang="zh-CN" altLang="en-US" smtClean="0"/>
-              <a:t>2019/7/17</a:t>
+              <a:t>2019/7/26</a:t>
             </a:fld>
             <a:endParaRPr lang="zh-CN" altLang="en-US"/>
           </a:p>
@@ -2909,7 +2909,7 @@
           <a:p>
             <a:fld id="{F8EF9790-724A-4D00-AD06-B61DE59F3407}" type="datetimeFigureOut">
               <a:rPr lang="zh-CN" altLang="en-US" smtClean="0"/>
-              <a:t>2019/7/17</a:t>
+              <a:t>2019/7/26</a:t>
             </a:fld>
             <a:endParaRPr lang="zh-CN" altLang="en-US"/>
           </a:p>
@@ -4935,7 +4935,7 @@
             <a:pPr algn="ctr"/>
             <a:r>
               <a:rPr lang="en-US" altLang="zh-CN" sz="1400"/>
-              <a:t>componentWillMount</a:t>
+              <a:t>componentWillUnMount</a:t>
             </a:r>
             <a:endParaRPr lang="zh-CN" altLang="en-US" sz="1400"/>
           </a:p>

--- a/新版生命周期 .pptx
+++ b/新版生命周期 .pptx
@@ -259,7 +259,7 @@
           <a:p>
             <a:fld id="{F8EF9790-724A-4D00-AD06-B61DE59F3407}" type="datetimeFigureOut">
               <a:rPr lang="zh-CN" altLang="en-US" smtClean="0"/>
-              <a:t>2019/7/17</a:t>
+              <a:t>2019/7/30</a:t>
             </a:fld>
             <a:endParaRPr lang="zh-CN" altLang="en-US"/>
           </a:p>
@@ -457,7 +457,7 @@
           <a:p>
             <a:fld id="{F8EF9790-724A-4D00-AD06-B61DE59F3407}" type="datetimeFigureOut">
               <a:rPr lang="zh-CN" altLang="en-US" smtClean="0"/>
-              <a:t>2019/7/17</a:t>
+              <a:t>2019/7/30</a:t>
             </a:fld>
             <a:endParaRPr lang="zh-CN" altLang="en-US"/>
           </a:p>
@@ -665,7 +665,7 @@
           <a:p>
             <a:fld id="{F8EF9790-724A-4D00-AD06-B61DE59F3407}" type="datetimeFigureOut">
               <a:rPr lang="zh-CN" altLang="en-US" smtClean="0"/>
-              <a:t>2019/7/17</a:t>
+              <a:t>2019/7/30</a:t>
             </a:fld>
             <a:endParaRPr lang="zh-CN" altLang="en-US"/>
           </a:p>
@@ -863,7 +863,7 @@
           <a:p>
             <a:fld id="{F8EF9790-724A-4D00-AD06-B61DE59F3407}" type="datetimeFigureOut">
               <a:rPr lang="zh-CN" altLang="en-US" smtClean="0"/>
-              <a:t>2019/7/17</a:t>
+              <a:t>2019/7/30</a:t>
             </a:fld>
             <a:endParaRPr lang="zh-CN" altLang="en-US"/>
           </a:p>
@@ -1138,7 +1138,7 @@
           <a:p>
             <a:fld id="{F8EF9790-724A-4D00-AD06-B61DE59F3407}" type="datetimeFigureOut">
               <a:rPr lang="zh-CN" altLang="en-US" smtClean="0"/>
-              <a:t>2019/7/17</a:t>
+              <a:t>2019/7/30</a:t>
             </a:fld>
             <a:endParaRPr lang="zh-CN" altLang="en-US"/>
           </a:p>
@@ -1403,7 +1403,7 @@
           <a:p>
             <a:fld id="{F8EF9790-724A-4D00-AD06-B61DE59F3407}" type="datetimeFigureOut">
               <a:rPr lang="zh-CN" altLang="en-US" smtClean="0"/>
-              <a:t>2019/7/17</a:t>
+              <a:t>2019/7/30</a:t>
             </a:fld>
             <a:endParaRPr lang="zh-CN" altLang="en-US"/>
           </a:p>
@@ -1815,7 +1815,7 @@
           <a:p>
             <a:fld id="{F8EF9790-724A-4D00-AD06-B61DE59F3407}" type="datetimeFigureOut">
               <a:rPr lang="zh-CN" altLang="en-US" smtClean="0"/>
-              <a:t>2019/7/17</a:t>
+              <a:t>2019/7/30</a:t>
             </a:fld>
             <a:endParaRPr lang="zh-CN" altLang="en-US"/>
           </a:p>
@@ -1956,7 +1956,7 @@
           <a:p>
             <a:fld id="{F8EF9790-724A-4D00-AD06-B61DE59F3407}" type="datetimeFigureOut">
               <a:rPr lang="zh-CN" altLang="en-US" smtClean="0"/>
-              <a:t>2019/7/17</a:t>
+              <a:t>2019/7/30</a:t>
             </a:fld>
             <a:endParaRPr lang="zh-CN" altLang="en-US"/>
           </a:p>
@@ -2069,7 +2069,7 @@
           <a:p>
             <a:fld id="{F8EF9790-724A-4D00-AD06-B61DE59F3407}" type="datetimeFigureOut">
               <a:rPr lang="zh-CN" altLang="en-US" smtClean="0"/>
-              <a:t>2019/7/17</a:t>
+              <a:t>2019/7/30</a:t>
             </a:fld>
             <a:endParaRPr lang="zh-CN" altLang="en-US"/>
           </a:p>
@@ -2380,7 +2380,7 @@
           <a:p>
             <a:fld id="{F8EF9790-724A-4D00-AD06-B61DE59F3407}" type="datetimeFigureOut">
               <a:rPr lang="zh-CN" altLang="en-US" smtClean="0"/>
-              <a:t>2019/7/17</a:t>
+              <a:t>2019/7/30</a:t>
             </a:fld>
             <a:endParaRPr lang="zh-CN" altLang="en-US"/>
           </a:p>
@@ -2668,7 +2668,7 @@
           <a:p>
             <a:fld id="{F8EF9790-724A-4D00-AD06-B61DE59F3407}" type="datetimeFigureOut">
               <a:rPr lang="zh-CN" altLang="en-US" smtClean="0"/>
-              <a:t>2019/7/17</a:t>
+              <a:t>2019/7/30</a:t>
             </a:fld>
             <a:endParaRPr lang="zh-CN" altLang="en-US"/>
           </a:p>
@@ -2909,7 +2909,7 @@
           <a:p>
             <a:fld id="{F8EF9790-724A-4D00-AD06-B61DE59F3407}" type="datetimeFigureOut">
               <a:rPr lang="zh-CN" altLang="en-US" smtClean="0"/>
-              <a:t>2019/7/17</a:t>
+              <a:t>2019/7/30</a:t>
             </a:fld>
             <a:endParaRPr lang="zh-CN" altLang="en-US"/>
           </a:p>
@@ -4935,7 +4935,7 @@
             <a:pPr algn="ctr"/>
             <a:r>
               <a:rPr lang="en-US" altLang="zh-CN" sz="1400"/>
-              <a:t>componentWillMount</a:t>
+              <a:t>componentWillUnMount</a:t>
             </a:r>
             <a:endParaRPr lang="zh-CN" altLang="en-US" sz="1400"/>
           </a:p>
